--- a/music moves/Tomatoes (TOM)/ger/apprentice/ger_TOM_12_Was_passt_in_eine_Tomate_MM_A.pptx
+++ b/music moves/Tomatoes (TOM)/ger/apprentice/ger_TOM_12_Was_passt_in_eine_Tomate_MM_A.pptx
@@ -716,7 +716,7 @@
           <a:p>
             <a:fld id="{FF5B2BAF-DF38-0A48-A798-0C06E514FD52}" type="datetimeFigureOut">
               <a:rPr lang="de-DE" smtClean="0"/>
-              <a:t>12.08.15</a:t>
+              <a:t>13.08.15</a:t>
             </a:fld>
             <a:endParaRPr lang="de-DE" dirty="0"/>
           </a:p>
@@ -931,7 +931,7 @@
           <a:p>
             <a:fld id="{FF5B2BAF-DF38-0A48-A798-0C06E514FD52}" type="datetimeFigureOut">
               <a:rPr lang="de-DE" smtClean="0"/>
-              <a:t>12.08.15</a:t>
+              <a:t>13.08.15</a:t>
             </a:fld>
             <a:endParaRPr lang="de-DE" dirty="0"/>
           </a:p>
@@ -1909,7 +1909,31 @@
           <a:p>
             <a:r>
               <a:rPr lang="de-DE" sz="1100" dirty="0" smtClean="0"/>
-              <a:t>Teile Deine Dokumentation mit Deinem Team und lass die Deine  Ergebnisse unterschreiben.</a:t>
+              <a:t>Teile Deine Dokumentation mit Deinem Team und </a:t>
+            </a:r>
+            <a:r>
+              <a:rPr lang="de-DE" sz="1100" smtClean="0"/>
+              <a:t>lass </a:t>
+            </a:r>
+            <a:r>
+              <a:rPr lang="de-DE" sz="1100" smtClean="0"/>
+              <a:t>Dir</a:t>
+            </a:r>
+            <a:r>
+              <a:rPr lang="de-DE" sz="1100" smtClean="0"/>
+              <a:t> </a:t>
+            </a:r>
+            <a:r>
+              <a:rPr lang="de-DE" sz="1100" smtClean="0"/>
+              <a:t>Deine </a:t>
+            </a:r>
+            <a:r>
+              <a:rPr lang="de-DE" sz="1100" smtClean="0"/>
+              <a:t>Ergebnisse </a:t>
+            </a:r>
+            <a:r>
+              <a:rPr lang="de-DE" sz="1100" dirty="0" smtClean="0"/>
+              <a:t>unterschreiben.</a:t>
             </a:r>
             <a:endParaRPr lang="de-DE" sz="1100" dirty="0"/>
           </a:p>

--- a/music moves/Tomatoes (TOM)/ger/apprentice/ger_TOM_12_Was_passt_in_eine_Tomate_MM_A.pptx
+++ b/music moves/Tomatoes (TOM)/ger/apprentice/ger_TOM_12_Was_passt_in_eine_Tomate_MM_A.pptx
@@ -1635,7 +1635,23 @@
             </a:r>
             <a:r>
               <a:rPr lang="de-DE" sz="1100" dirty="0" smtClean="0"/>
-              <a:t> Zeit es kostet.</a:t>
+              <a:t> Zeit es kostet</a:t>
+            </a:r>
+            <a:r>
+              <a:rPr lang="de-DE" sz="1100" dirty="0"/>
+              <a:t>. </a:t>
+            </a:r>
+            <a:r>
+              <a:rPr lang="de-DE" sz="1100" dirty="0" smtClean="0"/>
+              <a:t>Achtest Du immer auf die Zeit, wenn Du etwas tust? Oder kombinierst Du </a:t>
+            </a:r>
+            <a:r>
+              <a:rPr lang="de-DE" sz="1100" dirty="0"/>
+              <a:t>vielleicht verschiedene </a:t>
+            </a:r>
+            <a:r>
+              <a:rPr lang="de-DE" sz="1100" dirty="0" smtClean="0"/>
+              <a:t>Tätigkeiten?</a:t>
             </a:r>
           </a:p>
           <a:p>
@@ -1649,7 +1665,35 @@
             </a:pPr>
             <a:r>
               <a:rPr lang="de-DE" sz="1100" dirty="0" smtClean="0"/>
-              <a:t>Um diese Wahrnehmung zu schulen, könntest Du beginnen, nicht mehr irgendwas und alles durcheinander zu tun, sondern Dir ein konkretes Zeitfenster zu setzen um herauszufinden, was Du in dieser Zeit alles schaffen kannst.</a:t>
+              <a:t>Um </a:t>
+            </a:r>
+            <a:r>
+              <a:rPr lang="de-DE" sz="1100" dirty="0" smtClean="0"/>
+              <a:t>Deine</a:t>
+            </a:r>
+            <a:r>
+              <a:rPr lang="de-DE" sz="1100" dirty="0" smtClean="0"/>
+              <a:t> </a:t>
+            </a:r>
+            <a:r>
+              <a:rPr lang="de-DE" sz="1100" dirty="0" smtClean="0"/>
+              <a:t>Wahrnehmung zu schulen, </a:t>
+            </a:r>
+            <a:r>
+              <a:rPr lang="de-DE" sz="1100" dirty="0" smtClean="0"/>
+              <a:t>kannst </a:t>
+            </a:r>
+            <a:r>
+              <a:rPr lang="de-DE" sz="1100" dirty="0" smtClean="0"/>
+              <a:t>Du </a:t>
+            </a:r>
+            <a:r>
+              <a:rPr lang="de-DE" sz="1100" dirty="0" smtClean="0"/>
+              <a:t>beginnen </a:t>
+            </a:r>
+            <a:r>
+              <a:rPr lang="de-DE" sz="1100" dirty="0" smtClean="0"/>
+              <a:t>Dir ein konkretes Zeitfenster zu setzen um herauszufinden, was Du in dieser Zeit alles schaffen kannst.</a:t>
             </a:r>
           </a:p>
           <a:p>
@@ -1763,15 +1807,11 @@
             </a:r>
             <a:r>
               <a:rPr lang="de-DE" sz="1100" dirty="0"/>
-              <a:t> </a:t>
-            </a:r>
-            <a:r>
-              <a:rPr lang="de-DE" sz="1100" dirty="0" err="1"/>
-              <a:t>Technique</a:t>
-            </a:r>
-            <a:r>
-              <a:rPr lang="de-DE" sz="1100" dirty="0"/>
-              <a:t>® </a:t>
+              <a:t> Technique</a:t>
+            </a:r>
+            <a:r>
+              <a:rPr lang="de-DE" sz="1100" dirty="0" smtClean="0"/>
+              <a:t>®</a:t>
             </a:r>
             <a:r>
               <a:rPr lang="de-DE" sz="1100" baseline="30000" dirty="0" smtClean="0"/>
@@ -1787,7 +1827,31 @@
             </a:r>
             <a:r>
               <a:rPr lang="de-DE" sz="1100" dirty="0" smtClean="0"/>
-              <a:t>“, wobei er immer von 25 Minuten ausgeht, denen eine 5 minütige Pause folgt.</a:t>
+              <a:t>“</a:t>
+            </a:r>
+            <a:r>
+              <a:rPr lang="de-DE" sz="1100" dirty="0" smtClean="0"/>
+              <a:t>. Dabei geht er</a:t>
+            </a:r>
+            <a:r>
+              <a:rPr lang="de-DE" sz="1100" dirty="0" smtClean="0"/>
+              <a:t> </a:t>
+            </a:r>
+            <a:r>
+              <a:rPr lang="de-DE" sz="1100" dirty="0" smtClean="0"/>
+              <a:t>von 25 </a:t>
+            </a:r>
+            <a:r>
+              <a:rPr lang="de-DE" sz="1100" smtClean="0"/>
+              <a:t>Minuten </a:t>
+            </a:r>
+            <a:r>
+              <a:rPr lang="de-DE" sz="1100" smtClean="0"/>
+              <a:t>aus, </a:t>
+            </a:r>
+            <a:r>
+              <a:rPr lang="de-DE" sz="1100" dirty="0" smtClean="0"/>
+              <a:t>denen eine 5 minütige Pause folgt.</a:t>
             </a:r>
             <a:endParaRPr lang="de-DE" sz="1100" dirty="0"/>
           </a:p>
@@ -1813,6 +1877,110 @@
               <a:t>in Deinen Zeitfenstern nicht darum, so schnell wie möglich zu arbeiten, sondern herauszufinden, was Du alles in einem bequemen Tempo schaffen kannst.</a:t>
             </a:r>
             <a:endParaRPr lang="de-DE" sz="1100" dirty="0"/>
+          </a:p>
+        </p:txBody>
+      </p:sp>
+      <p:sp>
+        <p:nvSpPr>
+          <p:cNvPr id="4" name="Textfeld 3"/>
+          <p:cNvSpPr txBox="1"/>
+          <p:nvPr/>
+        </p:nvSpPr>
+        <p:spPr>
+          <a:xfrm>
+            <a:off x="5201920" y="4686515"/>
+            <a:ext cx="1706880" cy="338554"/>
+          </a:xfrm>
+          <a:prstGeom prst="rect">
+            <a:avLst/>
+          </a:prstGeom>
+          <a:noFill/>
+        </p:spPr>
+        <p:txBody>
+          <a:bodyPr wrap="square" rtlCol="0">
+            <a:spAutoFit/>
+          </a:bodyPr>
+          <a:lstStyle/>
+          <a:p>
+            <a:r>
+              <a:rPr lang="de-DE" sz="800" dirty="0" err="1" smtClean="0">
+                <a:solidFill>
+                  <a:srgbClr val="5D5E5F"/>
+                </a:solidFill>
+                <a:latin typeface="Avenir Light"/>
+                <a:cs typeface="Avenir Light"/>
+              </a:rPr>
+              <a:t>www.pomodorotechnique.com</a:t>
+            </a:r>
+            <a:r>
+              <a:rPr lang="de-DE" sz="800" dirty="0" smtClean="0">
+                <a:solidFill>
+                  <a:srgbClr val="5D5E5F"/>
+                </a:solidFill>
+                <a:latin typeface="Avenir Light"/>
+                <a:cs typeface="Avenir Light"/>
+              </a:rPr>
+              <a:t> </a:t>
+            </a:r>
+            <a:endParaRPr lang="de-DE" sz="800" dirty="0">
+              <a:solidFill>
+                <a:srgbClr val="5D5E5F"/>
+              </a:solidFill>
+              <a:latin typeface="Avenir Light"/>
+              <a:cs typeface="Avenir Light"/>
+            </a:endParaRPr>
+          </a:p>
+          <a:p>
+            <a:endParaRPr lang="de-DE" sz="800" dirty="0">
+              <a:latin typeface="Avenir Light"/>
+              <a:cs typeface="Avenir Light"/>
+            </a:endParaRPr>
+          </a:p>
+        </p:txBody>
+      </p:sp>
+      <p:sp>
+        <p:nvSpPr>
+          <p:cNvPr id="2" name="Textfeld 1"/>
+          <p:cNvSpPr txBox="1"/>
+          <p:nvPr/>
+        </p:nvSpPr>
+        <p:spPr>
+          <a:xfrm>
+            <a:off x="5145318" y="4658496"/>
+            <a:ext cx="220317" cy="169277"/>
+          </a:xfrm>
+          <a:prstGeom prst="rect">
+            <a:avLst/>
+          </a:prstGeom>
+          <a:noFill/>
+        </p:spPr>
+        <p:txBody>
+          <a:bodyPr wrap="none" rtlCol="0">
+            <a:spAutoFit/>
+          </a:bodyPr>
+          <a:lstStyle/>
+          <a:p>
+            <a:r>
+              <a:rPr lang="de-DE" sz="500" dirty="0" smtClean="0">
+                <a:solidFill>
+                  <a:schemeClr val="bg1">
+                    <a:lumMod val="50000"/>
+                  </a:schemeClr>
+                </a:solidFill>
+                <a:latin typeface="Avenir Book"/>
+                <a:cs typeface="Avenir Book"/>
+              </a:rPr>
+              <a:t>1</a:t>
+            </a:r>
+            <a:endParaRPr lang="de-DE" sz="500" dirty="0">
+              <a:solidFill>
+                <a:schemeClr val="bg1">
+                  <a:lumMod val="50000"/>
+                </a:schemeClr>
+              </a:solidFill>
+              <a:latin typeface="Avenir Book"/>
+              <a:cs typeface="Avenir Book"/>
+            </a:endParaRPr>
           </a:p>
         </p:txBody>
       </p:sp>
@@ -1909,26 +2077,22 @@
           <a:p>
             <a:r>
               <a:rPr lang="de-DE" sz="1100" dirty="0" smtClean="0"/>
-              <a:t>Teile Deine Dokumentation mit Deinem Team und </a:t>
-            </a:r>
-            <a:r>
-              <a:rPr lang="de-DE" sz="1100" smtClean="0"/>
-              <a:t>lass </a:t>
-            </a:r>
-            <a:r>
-              <a:rPr lang="de-DE" sz="1100" smtClean="0"/>
+              <a:t>Teile Deine Dokumentation mit Deinem Team und lass </a:t>
+            </a:r>
+            <a:r>
+              <a:rPr lang="de-DE" sz="1100" dirty="0" smtClean="0"/>
               <a:t>Dir</a:t>
             </a:r>
             <a:r>
-              <a:rPr lang="de-DE" sz="1100" smtClean="0"/>
+              <a:rPr lang="de-DE" sz="1100" dirty="0" smtClean="0"/>
               <a:t> </a:t>
             </a:r>
             <a:r>
-              <a:rPr lang="de-DE" sz="1100" smtClean="0"/>
+              <a:rPr lang="de-DE" sz="1100" dirty="0" smtClean="0"/>
               <a:t>Deine </a:t>
             </a:r>
             <a:r>
-              <a:rPr lang="de-DE" sz="1100" smtClean="0"/>
+              <a:rPr lang="de-DE" sz="1100" dirty="0" smtClean="0"/>
               <a:t>Ergebnisse </a:t>
             </a:r>
             <a:r>

--- a/music moves/Tomatoes (TOM)/ger/apprentice/ger_TOM_12_Was_passt_in_eine_Tomate_MM_A.pptx
+++ b/music moves/Tomatoes (TOM)/ger/apprentice/ger_TOM_12_Was_passt_in_eine_Tomate_MM_A.pptx
@@ -1635,23 +1635,11 @@
             </a:r>
             <a:r>
               <a:rPr lang="de-DE" sz="1100" dirty="0" smtClean="0"/>
-              <a:t> Zeit es kostet</a:t>
-            </a:r>
-            <a:r>
-              <a:rPr lang="de-DE" sz="1100" dirty="0"/>
-              <a:t>. </a:t>
-            </a:r>
-            <a:r>
-              <a:rPr lang="de-DE" sz="1100" dirty="0" smtClean="0"/>
-              <a:t>Achtest Du immer auf die Zeit, wenn Du etwas tust? Oder kombinierst Du </a:t>
-            </a:r>
-            <a:r>
-              <a:rPr lang="de-DE" sz="1100" dirty="0"/>
-              <a:t>vielleicht verschiedene </a:t>
-            </a:r>
-            <a:r>
-              <a:rPr lang="de-DE" sz="1100" dirty="0" smtClean="0"/>
-              <a:t>Tätigkeiten?</a:t>
+              <a:t> Zeit es </a:t>
+            </a:r>
+            <a:r>
+              <a:rPr lang="de-DE" sz="1100" dirty="0" smtClean="0"/>
+              <a:t>kostet.</a:t>
             </a:r>
           </a:p>
           <a:p>
@@ -1751,54 +1739,28 @@
             </a:r>
           </a:p>
           <a:p>
-            <a:pPr>
-              <a:lnSpc>
-                <a:spcPct val="110000"/>
-              </a:lnSpc>
-              <a:spcBef>
-                <a:spcPts val="400"/>
-              </a:spcBef>
-            </a:pPr>
-            <a:r>
-              <a:rPr lang="de-DE" sz="1100" dirty="0" smtClean="0"/>
-              <a:t>Ein Zeitfenster kann </a:t>
-            </a:r>
             <a:r>
               <a:rPr lang="de-DE" sz="1100" dirty="0"/>
-              <a:t>5 oder 10 Minuten dauern. 25 Minuten haben sich bei kopflastigen </a:t>
-            </a:r>
-            <a:r>
-              <a:rPr lang="de-DE" sz="1100" dirty="0" smtClean="0"/>
-              <a:t>Arbeiten wie Lernen oder Musizieren </a:t>
-            </a:r>
+              <a:t>Ein Zeitfenster kann 5 oder 10 Minuten dauern. 25 Minuten haben sich bei kopflastigen Arbeiten wie Lernen oder Musizieren als guter Einstieg bewährt, bevor die Konzentration nachlässt.</a:t>
+            </a:r>
+          </a:p>
+          <a:p>
             <a:r>
               <a:rPr lang="de-DE" sz="1100" dirty="0"/>
-              <a:t>als </a:t>
-            </a:r>
-            <a:r>
-              <a:rPr lang="de-DE" sz="1100" dirty="0" smtClean="0"/>
-              <a:t>guter Einstieg bewährt, bevor das Gehirn in ein Konzentrationsloch gerät. </a:t>
-            </a:r>
-          </a:p>
-          <a:p>
-            <a:pPr>
-              <a:lnSpc>
-                <a:spcPct val="110000"/>
-              </a:lnSpc>
-              <a:spcBef>
-                <a:spcPts val="400"/>
-              </a:spcBef>
-            </a:pPr>
+              <a:t>Es geht in Deinen Zeitfenstern nicht darum, so schnell wie möglich zu arbeiten, sondern herauszufinden, was Du alles in einem bequemen Tempo schaffen kannst.</a:t>
+            </a:r>
+          </a:p>
+          <a:p>
             <a:r>
               <a:rPr lang="de-DE" sz="1100" dirty="0"/>
               <a:t>Francesco </a:t>
             </a:r>
             <a:r>
-              <a:rPr lang="de-DE" sz="1100" dirty="0" err="1" smtClean="0"/>
+              <a:rPr lang="de-DE" sz="1100" dirty="0" err="1"/>
               <a:t>Cirillo</a:t>
             </a:r>
             <a:r>
-              <a:rPr lang="de-DE" sz="1100" dirty="0" smtClean="0"/>
+              <a:rPr lang="de-DE" sz="1100" dirty="0"/>
               <a:t>, der Erfinder der </a:t>
             </a:r>
             <a:r>
@@ -1807,74 +1769,7 @@
             </a:r>
             <a:r>
               <a:rPr lang="de-DE" sz="1100" dirty="0"/>
-              <a:t> Technique</a:t>
-            </a:r>
-            <a:r>
-              <a:rPr lang="de-DE" sz="1100" dirty="0" smtClean="0"/>
-              <a:t>®</a:t>
-            </a:r>
-            <a:r>
-              <a:rPr lang="de-DE" sz="1100" baseline="30000" dirty="0" smtClean="0"/>
-              <a:t>1</a:t>
-            </a:r>
-            <a:r>
-              <a:rPr lang="de-DE" sz="1100" dirty="0" smtClean="0"/>
-              <a:t>, nennt </a:t>
-            </a:r>
-            <a:r>
-              <a:rPr lang="de-DE" sz="1100" dirty="0"/>
-              <a:t>diese Zeitfenster „Tomaten</a:t>
-            </a:r>
-            <a:r>
-              <a:rPr lang="de-DE" sz="1100" dirty="0" smtClean="0"/>
-              <a:t>“</a:t>
-            </a:r>
-            <a:r>
-              <a:rPr lang="de-DE" sz="1100" dirty="0" smtClean="0"/>
-              <a:t>. Dabei geht er</a:t>
-            </a:r>
-            <a:r>
-              <a:rPr lang="de-DE" sz="1100" dirty="0" smtClean="0"/>
-              <a:t> </a:t>
-            </a:r>
-            <a:r>
-              <a:rPr lang="de-DE" sz="1100" dirty="0" smtClean="0"/>
-              <a:t>von 25 </a:t>
-            </a:r>
-            <a:r>
-              <a:rPr lang="de-DE" sz="1100" smtClean="0"/>
-              <a:t>Minuten </a:t>
-            </a:r>
-            <a:r>
-              <a:rPr lang="de-DE" sz="1100" smtClean="0"/>
-              <a:t>aus, </a:t>
-            </a:r>
-            <a:r>
-              <a:rPr lang="de-DE" sz="1100" dirty="0" smtClean="0"/>
-              <a:t>denen eine 5 minütige Pause folgt.</a:t>
-            </a:r>
-            <a:endParaRPr lang="de-DE" sz="1100" dirty="0"/>
-          </a:p>
-          <a:p>
-            <a:pPr>
-              <a:lnSpc>
-                <a:spcPct val="110000"/>
-              </a:lnSpc>
-              <a:spcBef>
-                <a:spcPts val="400"/>
-              </a:spcBef>
-            </a:pPr>
-            <a:r>
-              <a:rPr lang="de-DE" sz="1100" dirty="0" smtClean="0"/>
-              <a:t>Es </a:t>
-            </a:r>
-            <a:r>
-              <a:rPr lang="de-DE" sz="1100" dirty="0"/>
-              <a:t>geht </a:t>
-            </a:r>
-            <a:r>
-              <a:rPr lang="de-DE" sz="1100" dirty="0" smtClean="0"/>
-              <a:t>in Deinen Zeitfenstern nicht darum, so schnell wie möglich zu arbeiten, sondern herauszufinden, was Du alles in einem bequemen Tempo schaffen kannst.</a:t>
+              <a:t> Technique®1, nennt diese Zeitfenster „Tomaten“. Dabei geht er von 25 Minuten aus, denen eine 5 minütige Pause folgt.</a:t>
             </a:r>
             <a:endParaRPr lang="de-DE" sz="1100" dirty="0"/>
           </a:p>
@@ -2049,15 +1944,31 @@
             </a:r>
             <a:r>
               <a:rPr lang="de-DE" sz="1100" dirty="0" smtClean="0"/>
-              <a:t>, übe oder arbeite das, was gerade bei Dir anliegt. Notiere Dir nachdem der Wecker geklingelt hat </a:t>
-            </a:r>
-            <a:r>
-              <a:rPr lang="de-DE" sz="1100" dirty="0" err="1" smtClean="0"/>
-              <a:t>wieviel</a:t>
-            </a:r>
-            <a:r>
-              <a:rPr lang="de-DE" sz="1100" dirty="0" smtClean="0"/>
-              <a:t> Du geschafft hast.</a:t>
+              <a:t>, übe oder arbeite das, was gerade bei Dir anliegt. </a:t>
+            </a:r>
+            <a:r>
+              <a:rPr lang="de-DE" sz="1100" smtClean="0"/>
+              <a:t>Notiere </a:t>
+            </a:r>
+            <a:r>
+              <a:rPr lang="de-DE" sz="1100" smtClean="0"/>
+              <a:t>Dir, </a:t>
+            </a:r>
+            <a:r>
+              <a:rPr lang="de-DE" sz="1100" dirty="0" smtClean="0"/>
+              <a:t>nachdem der Wecker geklingelt </a:t>
+            </a:r>
+            <a:r>
+              <a:rPr lang="de-DE" sz="1100" dirty="0" smtClean="0"/>
+              <a:t>hat</a:t>
+            </a:r>
+            <a:r>
+              <a:rPr lang="de-DE" sz="1100" smtClean="0"/>
+              <a:t>, was </a:t>
+            </a:r>
+            <a:r>
+              <a:rPr lang="de-DE" sz="1100" dirty="0" smtClean="0"/>
+              <a:t>Du geschafft hast.</a:t>
             </a:r>
           </a:p>
           <a:p>
@@ -2071,7 +1982,19 @@
             </a:r>
             <a:r>
               <a:rPr lang="de-DE" sz="1100" dirty="0" smtClean="0"/>
-              <a:t> brauchst Du in zwei Wochen 8 Durchführungen dieser Zeitfenster.</a:t>
+              <a:t> brauchst Du in </a:t>
+            </a:r>
+            <a:r>
+              <a:rPr lang="de-DE" sz="1100" dirty="0"/>
+              <a:t>2</a:t>
+            </a:r>
+            <a:r>
+              <a:rPr lang="de-DE" sz="1100" dirty="0" smtClean="0"/>
+              <a:t> </a:t>
+            </a:r>
+            <a:r>
+              <a:rPr lang="de-DE" sz="1100" dirty="0" smtClean="0"/>
+              <a:t>Wochen 8 Durchführungen dieser Zeitfenster.</a:t>
             </a:r>
           </a:p>
           <a:p>
